--- a/нейросети (1).pptx
+++ b/нейросети (1).pptx
@@ -1179,7 +1179,7 @@
           <a:p>
             <a:fld id="{E73D7A07-551C-0F4D-886A-FE924E52460C}" type="datetimeFigureOut">
               <a:rPr lang="ru-RU" smtClean="0"/>
-              <a:t>18.04.2023</a:t>
+              <a:t>19.04.2023</a:t>
             </a:fld>
             <a:endParaRPr lang="ru-RU"/>
           </a:p>
@@ -1407,7 +1407,7 @@
           <a:p>
             <a:fld id="{E73D7A07-551C-0F4D-886A-FE924E52460C}" type="datetimeFigureOut">
               <a:rPr lang="ru-RU" smtClean="0"/>
-              <a:t>18.04.2023</a:t>
+              <a:t>19.04.2023</a:t>
             </a:fld>
             <a:endParaRPr lang="ru-RU"/>
           </a:p>
@@ -1587,7 +1587,7 @@
           <a:p>
             <a:fld id="{E73D7A07-551C-0F4D-886A-FE924E52460C}" type="datetimeFigureOut">
               <a:rPr lang="ru-RU" smtClean="0"/>
-              <a:t>18.04.2023</a:t>
+              <a:t>19.04.2023</a:t>
             </a:fld>
             <a:endParaRPr lang="ru-RU"/>
           </a:p>
@@ -1757,7 +1757,7 @@
           <a:p>
             <a:fld id="{E73D7A07-551C-0F4D-886A-FE924E52460C}" type="datetimeFigureOut">
               <a:rPr lang="ru-RU" smtClean="0"/>
-              <a:t>18.04.2023</a:t>
+              <a:t>19.04.2023</a:t>
             </a:fld>
             <a:endParaRPr lang="ru-RU"/>
           </a:p>
@@ -2011,7 +2011,7 @@
           <a:p>
             <a:fld id="{E73D7A07-551C-0F4D-886A-FE924E52460C}" type="datetimeFigureOut">
               <a:rPr lang="ru-RU" smtClean="0"/>
-              <a:t>18.04.2023</a:t>
+              <a:t>19.04.2023</a:t>
             </a:fld>
             <a:endParaRPr lang="ru-RU"/>
           </a:p>
@@ -2337,7 +2337,7 @@
           <a:p>
             <a:fld id="{E73D7A07-551C-0F4D-886A-FE924E52460C}" type="datetimeFigureOut">
               <a:rPr lang="ru-RU" smtClean="0"/>
-              <a:t>18.04.2023</a:t>
+              <a:t>19.04.2023</a:t>
             </a:fld>
             <a:endParaRPr lang="ru-RU"/>
           </a:p>
@@ -2788,7 +2788,7 @@
           <a:p>
             <a:fld id="{E73D7A07-551C-0F4D-886A-FE924E52460C}" type="datetimeFigureOut">
               <a:rPr lang="ru-RU" smtClean="0"/>
-              <a:t>18.04.2023</a:t>
+              <a:t>19.04.2023</a:t>
             </a:fld>
             <a:endParaRPr lang="ru-RU"/>
           </a:p>
@@ -2906,7 +2906,7 @@
           <a:p>
             <a:fld id="{E73D7A07-551C-0F4D-886A-FE924E52460C}" type="datetimeFigureOut">
               <a:rPr lang="ru-RU" smtClean="0"/>
-              <a:t>18.04.2023</a:t>
+              <a:t>19.04.2023</a:t>
             </a:fld>
             <a:endParaRPr lang="ru-RU"/>
           </a:p>
@@ -3001,7 +3001,7 @@
           <a:p>
             <a:fld id="{E73D7A07-551C-0F4D-886A-FE924E52460C}" type="datetimeFigureOut">
               <a:rPr lang="ru-RU" smtClean="0"/>
-              <a:t>18.04.2023</a:t>
+              <a:t>19.04.2023</a:t>
             </a:fld>
             <a:endParaRPr lang="ru-RU"/>
           </a:p>
@@ -3288,7 +3288,7 @@
           <a:p>
             <a:fld id="{E73D7A07-551C-0F4D-886A-FE924E52460C}" type="datetimeFigureOut">
               <a:rPr lang="ru-RU" smtClean="0"/>
-              <a:t>18.04.2023</a:t>
+              <a:t>19.04.2023</a:t>
             </a:fld>
             <a:endParaRPr lang="ru-RU"/>
           </a:p>
@@ -3610,7 +3610,7 @@
           <a:p>
             <a:fld id="{E73D7A07-551C-0F4D-886A-FE924E52460C}" type="datetimeFigureOut">
               <a:rPr lang="ru-RU" smtClean="0"/>
-              <a:t>18.04.2023</a:t>
+              <a:t>19.04.2023</a:t>
             </a:fld>
             <a:endParaRPr lang="ru-RU"/>
           </a:p>
@@ -3864,7 +3864,7 @@
           <a:p>
             <a:fld id="{E73D7A07-551C-0F4D-886A-FE924E52460C}" type="datetimeFigureOut">
               <a:rPr lang="ru-RU" smtClean="0"/>
-              <a:t>18.04.2023</a:t>
+              <a:t>19.04.2023</a:t>
             </a:fld>
             <a:endParaRPr lang="ru-RU"/>
           </a:p>
@@ -4368,16 +4368,25 @@
             <p:ph type="ctrTitle"/>
           </p:nvPr>
         </p:nvSpPr>
-        <p:spPr/>
-        <p:txBody>
-          <a:bodyPr>
+        <p:spPr>
+          <a:xfrm>
+            <a:off x="1261872" y="758952"/>
+            <a:ext cx="9576457" cy="4041648"/>
+          </a:xfrm>
+        </p:spPr>
+        <p:txBody>
+          <a:bodyPr anchor="b">
             <a:normAutofit/>
           </a:bodyPr>
           <a:lstStyle/>
           <a:p>
             <a:r>
-              <a:rPr lang="ru-RU" dirty="0"/>
-              <a:t>Распознавание людей с помощью нейронных сетей</a:t>
+              <a:rPr lang="ru-RU" sz="6000" dirty="0"/>
+              <a:t>Распознавание</a:t>
+            </a:r>
+            <a:r>
+              <a:rPr lang="ru-RU" sz="5400" dirty="0"/>
+              <a:t> людей с помощью нейронных сетей и применение их для контроля пешеходного трафика</a:t>
             </a:r>
           </a:p>
         </p:txBody>
@@ -4719,7 +4728,7 @@
             </a:pPr>
             <a:r>
               <a:rPr lang="ru-RU" sz="2400" dirty="0"/>
-              <a:t>Распознавание силуэтов людей с помощью нейросетей и их использование для создания умных светофоров действительно является эффективным способом.</a:t>
+              <a:t>Распознавание силуэтов людей с помощью нейросетей и их использование для создания умных светофоров является одним из способов борьбы с пробками.</a:t>
             </a:r>
           </a:p>
           <a:p>
@@ -5246,7 +5255,7 @@
             </a:r>
             <a:r>
               <a:rPr lang="ru-RU" sz="2800" dirty="0"/>
-              <a:t> для распознавания людей, её обучение и использование на практике.</a:t>
+              <a:t> для распознавания людей, использование на практике.</a:t>
             </a:r>
           </a:p>
           <a:p>
